--- a/Day1/1e_Debugging/Debugging.pptx
+++ b/Day1/1e_Debugging/Debugging.pptx
@@ -10,7 +10,6 @@
     <p:sldId id="258" r:id="rId4"/>
     <p:sldId id="259" r:id="rId5"/>
     <p:sldId id="260" r:id="rId6"/>
-    <p:sldId id="261" r:id="rId7"/>
   </p:sldIdLst>
   <p:sldSz cx="12192000" cy="6858000"/>
   <p:notesSz cx="6858000" cy="9144000"/>
@@ -268,7 +267,7 @@
           <a:p>
             <a:fld id="{3530B2AD-BB16-40E1-92D9-8DB70993A4EA}" type="datetimeFigureOut">
               <a:rPr lang="en-US" smtClean="0"/>
-              <a:t>3/8/2018</a:t>
+              <a:t>3/12/2018</a:t>
             </a:fld>
             <a:endParaRPr lang="en-US"/>
           </a:p>
@@ -466,7 +465,7 @@
           <a:p>
             <a:fld id="{3530B2AD-BB16-40E1-92D9-8DB70993A4EA}" type="datetimeFigureOut">
               <a:rPr lang="en-US" smtClean="0"/>
-              <a:t>3/8/2018</a:t>
+              <a:t>3/12/2018</a:t>
             </a:fld>
             <a:endParaRPr lang="en-US"/>
           </a:p>
@@ -674,7 +673,7 @@
           <a:p>
             <a:fld id="{3530B2AD-BB16-40E1-92D9-8DB70993A4EA}" type="datetimeFigureOut">
               <a:rPr lang="en-US" smtClean="0"/>
-              <a:t>3/8/2018</a:t>
+              <a:t>3/12/2018</a:t>
             </a:fld>
             <a:endParaRPr lang="en-US"/>
           </a:p>
@@ -904,7 +903,7 @@
           <a:p>
             <a:fld id="{3530B2AD-BB16-40E1-92D9-8DB70993A4EA}" type="datetimeFigureOut">
               <a:rPr lang="en-US" smtClean="0"/>
-              <a:t>3/8/2018</a:t>
+              <a:t>3/12/2018</a:t>
             </a:fld>
             <a:endParaRPr lang="en-US"/>
           </a:p>
@@ -1179,7 +1178,7 @@
           <a:p>
             <a:fld id="{3530B2AD-BB16-40E1-92D9-8DB70993A4EA}" type="datetimeFigureOut">
               <a:rPr lang="en-US" smtClean="0"/>
-              <a:t>3/8/2018</a:t>
+              <a:t>3/12/2018</a:t>
             </a:fld>
             <a:endParaRPr lang="en-US"/>
           </a:p>
@@ -1444,7 +1443,7 @@
           <a:p>
             <a:fld id="{3530B2AD-BB16-40E1-92D9-8DB70993A4EA}" type="datetimeFigureOut">
               <a:rPr lang="en-US" smtClean="0"/>
-              <a:t>3/8/2018</a:t>
+              <a:t>3/12/2018</a:t>
             </a:fld>
             <a:endParaRPr lang="en-US"/>
           </a:p>
@@ -1856,7 +1855,7 @@
           <a:p>
             <a:fld id="{3530B2AD-BB16-40E1-92D9-8DB70993A4EA}" type="datetimeFigureOut">
               <a:rPr lang="en-US" smtClean="0"/>
-              <a:t>3/8/2018</a:t>
+              <a:t>3/12/2018</a:t>
             </a:fld>
             <a:endParaRPr lang="en-US"/>
           </a:p>
@@ -1997,7 +1996,7 @@
           <a:p>
             <a:fld id="{3530B2AD-BB16-40E1-92D9-8DB70993A4EA}" type="datetimeFigureOut">
               <a:rPr lang="en-US" smtClean="0"/>
-              <a:t>3/8/2018</a:t>
+              <a:t>3/12/2018</a:t>
             </a:fld>
             <a:endParaRPr lang="en-US"/>
           </a:p>
@@ -2110,7 +2109,7 @@
           <a:p>
             <a:fld id="{3530B2AD-BB16-40E1-92D9-8DB70993A4EA}" type="datetimeFigureOut">
               <a:rPr lang="en-US" smtClean="0"/>
-              <a:t>3/8/2018</a:t>
+              <a:t>3/12/2018</a:t>
             </a:fld>
             <a:endParaRPr lang="en-US"/>
           </a:p>
@@ -2421,7 +2420,7 @@
           <a:p>
             <a:fld id="{3530B2AD-BB16-40E1-92D9-8DB70993A4EA}" type="datetimeFigureOut">
               <a:rPr lang="en-US" smtClean="0"/>
-              <a:t>3/8/2018</a:t>
+              <a:t>3/12/2018</a:t>
             </a:fld>
             <a:endParaRPr lang="en-US"/>
           </a:p>
@@ -2709,7 +2708,7 @@
           <a:p>
             <a:fld id="{3530B2AD-BB16-40E1-92D9-8DB70993A4EA}" type="datetimeFigureOut">
               <a:rPr lang="en-US" smtClean="0"/>
-              <a:t>3/8/2018</a:t>
+              <a:t>3/12/2018</a:t>
             </a:fld>
             <a:endParaRPr lang="en-US"/>
           </a:p>
@@ -2950,7 +2949,7 @@
           <a:p>
             <a:fld id="{3530B2AD-BB16-40E1-92D9-8DB70993A4EA}" type="datetimeFigureOut">
               <a:rPr lang="en-US" smtClean="0"/>
-              <a:t>3/8/2018</a:t>
+              <a:t>3/12/2018</a:t>
             </a:fld>
             <a:endParaRPr lang="en-US"/>
           </a:p>
@@ -3903,7 +3902,7 @@
             </a:pPr>
             <a:r>
               <a:rPr lang="en-US" dirty="0"/>
-              <a:t>Run model as is</a:t>
+              <a:t>Add DEBUG_FLAG and print messages to identify bug</a:t>
             </a:r>
           </a:p>
           <a:p>
@@ -3947,93 +3946,6 @@
     <p:extLst>
       <p:ext uri="{BB962C8B-B14F-4D97-AF65-F5344CB8AC3E}">
         <p14:creationId xmlns:p14="http://schemas.microsoft.com/office/powerpoint/2010/main" val="4177357147"/>
-      </p:ext>
-    </p:extLst>
-  </p:cSld>
-  <p:clrMapOvr>
-    <a:masterClrMapping/>
-  </p:clrMapOvr>
-</p:sld>
-</file>
-
-<file path=ppt/slides/slide6.xml><?xml version="1.0" encoding="utf-8"?>
-<p:sld xmlns:a="http://schemas.openxmlformats.org/drawingml/2006/main" xmlns:r="http://schemas.openxmlformats.org/officeDocument/2006/relationships" xmlns:p="http://schemas.openxmlformats.org/presentationml/2006/main">
-  <p:cSld>
-    <p:spTree>
-      <p:nvGrpSpPr>
-        <p:cNvPr id="1" name=""/>
-        <p:cNvGrpSpPr/>
-        <p:nvPr/>
-      </p:nvGrpSpPr>
-      <p:grpSpPr>
-        <a:xfrm>
-          <a:off x="0" y="0"/>
-          <a:ext cx="0" cy="0"/>
-          <a:chOff x="0" y="0"/>
-          <a:chExt cx="0" cy="0"/>
-        </a:xfrm>
-      </p:grpSpPr>
-      <p:sp>
-        <p:nvSpPr>
-          <p:cNvPr id="2" name="Title 1">
-            <a:extLst>
-              <a:ext uri="{FF2B5EF4-FFF2-40B4-BE49-F238E27FC236}">
-                <a16:creationId xmlns:a16="http://schemas.microsoft.com/office/drawing/2014/main" id="{42257BF6-418B-41C9-AED0-E8E8EECB3CFE}"/>
-              </a:ext>
-            </a:extLst>
-          </p:cNvPr>
-          <p:cNvSpPr>
-            <a:spLocks noGrp="1"/>
-          </p:cNvSpPr>
-          <p:nvPr>
-            <p:ph type="title"/>
-          </p:nvPr>
-        </p:nvSpPr>
-        <p:spPr/>
-        <p:txBody>
-          <a:bodyPr/>
-          <a:lstStyle/>
-          <a:p>
-            <a:r>
-              <a:rPr lang="en-US" dirty="0"/>
-              <a:t>Checking what is read in</a:t>
-            </a:r>
-          </a:p>
-        </p:txBody>
-      </p:sp>
-      <p:pic>
-        <p:nvPicPr>
-          <p:cNvPr id="4" name="Picture 3">
-            <a:extLst>
-              <a:ext uri="{FF2B5EF4-FFF2-40B4-BE49-F238E27FC236}">
-                <a16:creationId xmlns:a16="http://schemas.microsoft.com/office/drawing/2014/main" id="{31A05561-6FEB-482C-ACBB-167D75C3494A}"/>
-              </a:ext>
-            </a:extLst>
-          </p:cNvPr>
-          <p:cNvPicPr>
-            <a:picLocks noChangeAspect="1"/>
-          </p:cNvPicPr>
-          <p:nvPr/>
-        </p:nvPicPr>
-        <p:blipFill rotWithShape="1">
-          <a:blip r:embed="rId2"/>
-          <a:srcRect t="5204"/>
-          <a:stretch/>
-        </p:blipFill>
-        <p:spPr>
-          <a:xfrm>
-            <a:off x="1271588" y="1626326"/>
-            <a:ext cx="7990400" cy="4964974"/>
-          </a:xfrm>
-          <a:prstGeom prst="rect">
-            <a:avLst/>
-          </a:prstGeom>
-        </p:spPr>
-      </p:pic>
-    </p:spTree>
-    <p:extLst>
-      <p:ext uri="{BB962C8B-B14F-4D97-AF65-F5344CB8AC3E}">
-        <p14:creationId xmlns:p14="http://schemas.microsoft.com/office/powerpoint/2010/main" val="1486967481"/>
       </p:ext>
     </p:extLst>
   </p:cSld>
